--- a/18_AllenPlatt_Corona_OpioidOverdosesInCincinnati.pptx
+++ b/18_AllenPlatt_Corona_OpioidOverdosesInCincinnati.pptx
@@ -11425,9 +11425,10 @@
           <a:lstStyle/>
           <a:p>
             <a:r>
-              <a:rPr lang="en-US" dirty="0"/>
-              <a:t>Data</a:t>
-            </a:r>
+              <a:rPr lang="en-US"/>
+              <a:t>Model</a:t>
+            </a:r>
+            <a:endParaRPr lang="en-US" dirty="0"/>
           </a:p>
         </p:txBody>
       </p:sp>
